--- a/doc/design.pptx
+++ b/doc/design.pptx
@@ -6,6 +6,7 @@
   </p:sldMasterIdLst>
   <p:sldIdLst>
     <p:sldId id="256" r:id="rId2"/>
+    <p:sldId id="257" r:id="rId3"/>
   </p:sldIdLst>
   <p:sldSz cx="12192000" cy="6858000"/>
   <p:notesSz cx="6858000" cy="9144000"/>
@@ -104,6 +105,11 @@
       </a:defRPr>
     </a:lvl9pPr>
   </p:defaultTextStyle>
+  <p:extLst>
+    <p:ext uri="{EFAFB233-063F-42B5-8137-9DF3F51BA10A}">
+      <p15:sldGuideLst xmlns:p15="http://schemas.microsoft.com/office/powerpoint/2012/main"/>
+    </p:ext>
+  </p:extLst>
 </p:presentation>
 </file>
 
@@ -254,7 +260,7 @@
           <a:p>
             <a:fld id="{2404A4D6-2BEE-4A44-B90E-E9115A55290F}" type="datetimeFigureOut">
               <a:rPr lang="zh-CN" altLang="en-US" smtClean="0"/>
-              <a:t>2023/10/25</a:t>
+              <a:t>2023/10/27</a:t>
             </a:fld>
             <a:endParaRPr lang="zh-CN" altLang="en-US"/>
           </a:p>
@@ -452,7 +458,7 @@
           <a:p>
             <a:fld id="{2404A4D6-2BEE-4A44-B90E-E9115A55290F}" type="datetimeFigureOut">
               <a:rPr lang="zh-CN" altLang="en-US" smtClean="0"/>
-              <a:t>2023/10/25</a:t>
+              <a:t>2023/10/27</a:t>
             </a:fld>
             <a:endParaRPr lang="zh-CN" altLang="en-US"/>
           </a:p>
@@ -660,7 +666,7 @@
           <a:p>
             <a:fld id="{2404A4D6-2BEE-4A44-B90E-E9115A55290F}" type="datetimeFigureOut">
               <a:rPr lang="zh-CN" altLang="en-US" smtClean="0"/>
-              <a:t>2023/10/25</a:t>
+              <a:t>2023/10/27</a:t>
             </a:fld>
             <a:endParaRPr lang="zh-CN" altLang="en-US"/>
           </a:p>
@@ -858,7 +864,7 @@
           <a:p>
             <a:fld id="{2404A4D6-2BEE-4A44-B90E-E9115A55290F}" type="datetimeFigureOut">
               <a:rPr lang="zh-CN" altLang="en-US" smtClean="0"/>
-              <a:t>2023/10/25</a:t>
+              <a:t>2023/10/27</a:t>
             </a:fld>
             <a:endParaRPr lang="zh-CN" altLang="en-US"/>
           </a:p>
@@ -1133,7 +1139,7 @@
           <a:p>
             <a:fld id="{2404A4D6-2BEE-4A44-B90E-E9115A55290F}" type="datetimeFigureOut">
               <a:rPr lang="zh-CN" altLang="en-US" smtClean="0"/>
-              <a:t>2023/10/25</a:t>
+              <a:t>2023/10/27</a:t>
             </a:fld>
             <a:endParaRPr lang="zh-CN" altLang="en-US"/>
           </a:p>
@@ -1398,7 +1404,7 @@
           <a:p>
             <a:fld id="{2404A4D6-2BEE-4A44-B90E-E9115A55290F}" type="datetimeFigureOut">
               <a:rPr lang="zh-CN" altLang="en-US" smtClean="0"/>
-              <a:t>2023/10/25</a:t>
+              <a:t>2023/10/27</a:t>
             </a:fld>
             <a:endParaRPr lang="zh-CN" altLang="en-US"/>
           </a:p>
@@ -1810,7 +1816,7 @@
           <a:p>
             <a:fld id="{2404A4D6-2BEE-4A44-B90E-E9115A55290F}" type="datetimeFigureOut">
               <a:rPr lang="zh-CN" altLang="en-US" smtClean="0"/>
-              <a:t>2023/10/25</a:t>
+              <a:t>2023/10/27</a:t>
             </a:fld>
             <a:endParaRPr lang="zh-CN" altLang="en-US"/>
           </a:p>
@@ -1951,7 +1957,7 @@
           <a:p>
             <a:fld id="{2404A4D6-2BEE-4A44-B90E-E9115A55290F}" type="datetimeFigureOut">
               <a:rPr lang="zh-CN" altLang="en-US" smtClean="0"/>
-              <a:t>2023/10/25</a:t>
+              <a:t>2023/10/27</a:t>
             </a:fld>
             <a:endParaRPr lang="zh-CN" altLang="en-US"/>
           </a:p>
@@ -2064,7 +2070,7 @@
           <a:p>
             <a:fld id="{2404A4D6-2BEE-4A44-B90E-E9115A55290F}" type="datetimeFigureOut">
               <a:rPr lang="zh-CN" altLang="en-US" smtClean="0"/>
-              <a:t>2023/10/25</a:t>
+              <a:t>2023/10/27</a:t>
             </a:fld>
             <a:endParaRPr lang="zh-CN" altLang="en-US"/>
           </a:p>
@@ -2375,7 +2381,7 @@
           <a:p>
             <a:fld id="{2404A4D6-2BEE-4A44-B90E-E9115A55290F}" type="datetimeFigureOut">
               <a:rPr lang="zh-CN" altLang="en-US" smtClean="0"/>
-              <a:t>2023/10/25</a:t>
+              <a:t>2023/10/27</a:t>
             </a:fld>
             <a:endParaRPr lang="zh-CN" altLang="en-US"/>
           </a:p>
@@ -2663,7 +2669,7 @@
           <a:p>
             <a:fld id="{2404A4D6-2BEE-4A44-B90E-E9115A55290F}" type="datetimeFigureOut">
               <a:rPr lang="zh-CN" altLang="en-US" smtClean="0"/>
-              <a:t>2023/10/25</a:t>
+              <a:t>2023/10/27</a:t>
             </a:fld>
             <a:endParaRPr lang="zh-CN" altLang="en-US"/>
           </a:p>
@@ -2904,7 +2910,7 @@
           <a:p>
             <a:fld id="{2404A4D6-2BEE-4A44-B90E-E9115A55290F}" type="datetimeFigureOut">
               <a:rPr lang="zh-CN" altLang="en-US" smtClean="0"/>
-              <a:t>2023/10/25</a:t>
+              <a:t>2023/10/27</a:t>
             </a:fld>
             <a:endParaRPr lang="zh-CN" altLang="en-US"/>
           </a:p>
@@ -3523,6 +3529,283 @@
 </p:sld>
 </file>
 
+<file path=ppt/slides/slide2.xml><?xml version="1.0" encoding="utf-8"?>
+<p:sld xmlns:a="http://schemas.openxmlformats.org/drawingml/2006/main" xmlns:r="http://schemas.openxmlformats.org/officeDocument/2006/relationships" xmlns:p="http://schemas.openxmlformats.org/presentationml/2006/main">
+  <p:cSld>
+    <p:bg>
+      <p:bgPr>
+        <a:solidFill>
+          <a:srgbClr val="222222"/>
+        </a:solidFill>
+        <a:effectLst/>
+      </p:bgPr>
+    </p:bg>
+    <p:spTree>
+      <p:nvGrpSpPr>
+        <p:cNvPr id="1" name=""/>
+        <p:cNvGrpSpPr/>
+        <p:nvPr/>
+      </p:nvGrpSpPr>
+      <p:grpSpPr>
+        <a:xfrm>
+          <a:off x="0" y="0"/>
+          <a:ext cx="0" cy="0"/>
+          <a:chOff x="0" y="0"/>
+          <a:chExt cx="0" cy="0"/>
+        </a:xfrm>
+      </p:grpSpPr>
+      <p:pic>
+        <p:nvPicPr>
+          <p:cNvPr id="5" name="图片 4">
+            <a:extLst>
+              <a:ext uri="{FF2B5EF4-FFF2-40B4-BE49-F238E27FC236}">
+                <a16:creationId xmlns:a16="http://schemas.microsoft.com/office/drawing/2014/main" id="{05E0B238-DE6D-38BF-D89A-2F8C16042627}"/>
+              </a:ext>
+            </a:extLst>
+          </p:cNvPr>
+          <p:cNvPicPr>
+            <a:picLocks noChangeAspect="1"/>
+          </p:cNvPicPr>
+          <p:nvPr/>
+        </p:nvPicPr>
+        <p:blipFill>
+          <a:blip r:embed="rId2">
+            <a:extLst>
+              <a:ext uri="{28A0092B-C50C-407E-A947-70E740481C1C}">
+                <a14:useLocalDpi xmlns:a14="http://schemas.microsoft.com/office/drawing/2010/main" val="0"/>
+              </a:ext>
+            </a:extLst>
+          </a:blip>
+          <a:stretch>
+            <a:fillRect/>
+          </a:stretch>
+        </p:blipFill>
+        <p:spPr>
+          <a:xfrm>
+            <a:off x="910374" y="0"/>
+            <a:ext cx="10371251" cy="6858000"/>
+          </a:xfrm>
+          <a:prstGeom prst="rect">
+            <a:avLst/>
+          </a:prstGeom>
+        </p:spPr>
+      </p:pic>
+      <p:sp>
+        <p:nvSpPr>
+          <p:cNvPr id="6" name="文本框 5">
+            <a:extLst>
+              <a:ext uri="{FF2B5EF4-FFF2-40B4-BE49-F238E27FC236}">
+                <a16:creationId xmlns:a16="http://schemas.microsoft.com/office/drawing/2014/main" id="{554419C3-1218-FE51-7D52-D861756AC995}"/>
+              </a:ext>
+            </a:extLst>
+          </p:cNvPr>
+          <p:cNvSpPr txBox="1"/>
+          <p:nvPr/>
+        </p:nvSpPr>
+        <p:spPr>
+          <a:xfrm>
+            <a:off x="7531412" y="6161376"/>
+            <a:ext cx="1244251" cy="276999"/>
+          </a:xfrm>
+          <a:prstGeom prst="rect">
+            <a:avLst/>
+          </a:prstGeom>
+          <a:solidFill>
+            <a:srgbClr val="F6FFED"/>
+          </a:solidFill>
+        </p:spPr>
+        <p:txBody>
+          <a:bodyPr wrap="none" rtlCol="0">
+            <a:spAutoFit/>
+          </a:bodyPr>
+          <a:lstStyle/>
+          <a:p>
+            <a:r>
+              <a:rPr lang="zh-CN" altLang="en-US" sz="1200" b="1" dirty="0"/>
+              <a:t>🚀 自定义界面 </a:t>
+            </a:r>
+          </a:p>
+        </p:txBody>
+      </p:sp>
+      <p:sp>
+        <p:nvSpPr>
+          <p:cNvPr id="7" name="文本框 6">
+            <a:extLst>
+              <a:ext uri="{FF2B5EF4-FFF2-40B4-BE49-F238E27FC236}">
+                <a16:creationId xmlns:a16="http://schemas.microsoft.com/office/drawing/2014/main" id="{2EE33C15-4042-DC67-B711-3E76CC444B8B}"/>
+              </a:ext>
+            </a:extLst>
+          </p:cNvPr>
+          <p:cNvSpPr txBox="1"/>
+          <p:nvPr/>
+        </p:nvSpPr>
+        <p:spPr>
+          <a:xfrm>
+            <a:off x="1486212" y="2368309"/>
+            <a:ext cx="1356462" cy="276999"/>
+          </a:xfrm>
+          <a:prstGeom prst="rect">
+            <a:avLst/>
+          </a:prstGeom>
+          <a:solidFill>
+            <a:srgbClr val="F6FFED"/>
+          </a:solidFill>
+        </p:spPr>
+        <p:txBody>
+          <a:bodyPr wrap="none" rtlCol="0">
+            <a:spAutoFit/>
+          </a:bodyPr>
+          <a:lstStyle/>
+          <a:p>
+            <a:r>
+              <a:rPr lang="zh-CN" altLang="en-US" sz="1200" b="1" dirty="0"/>
+              <a:t>🐟 隐藏的工作流</a:t>
+            </a:r>
+          </a:p>
+        </p:txBody>
+      </p:sp>
+      <p:sp>
+        <p:nvSpPr>
+          <p:cNvPr id="8" name="矩形 7">
+            <a:extLst>
+              <a:ext uri="{FF2B5EF4-FFF2-40B4-BE49-F238E27FC236}">
+                <a16:creationId xmlns:a16="http://schemas.microsoft.com/office/drawing/2014/main" id="{D1085F55-F821-0334-3F1B-4E61CE9D8DCF}"/>
+              </a:ext>
+            </a:extLst>
+          </p:cNvPr>
+          <p:cNvSpPr/>
+          <p:nvPr/>
+        </p:nvSpPr>
+        <p:spPr>
+          <a:xfrm>
+            <a:off x="7230533" y="2368309"/>
+            <a:ext cx="3556000" cy="4261091"/>
+          </a:xfrm>
+          <a:prstGeom prst="rect">
+            <a:avLst/>
+          </a:prstGeom>
+          <a:noFill/>
+          <a:ln w="38100">
+            <a:solidFill>
+              <a:srgbClr val="FFFF00"/>
+            </a:solidFill>
+            <a:prstDash val="dash"/>
+          </a:ln>
+        </p:spPr>
+        <p:style>
+          <a:lnRef idx="2">
+            <a:schemeClr val="accent1">
+              <a:shade val="15000"/>
+            </a:schemeClr>
+          </a:lnRef>
+          <a:fillRef idx="1">
+            <a:schemeClr val="accent1"/>
+          </a:fillRef>
+          <a:effectRef idx="0">
+            <a:schemeClr val="accent1"/>
+          </a:effectRef>
+          <a:fontRef idx="minor">
+            <a:schemeClr val="lt1"/>
+          </a:fontRef>
+        </p:style>
+        <p:txBody>
+          <a:bodyPr rtlCol="0" anchor="ctr"/>
+          <a:lstStyle/>
+          <a:p>
+            <a:pPr algn="ctr"/>
+            <a:endParaRPr lang="zh-CN" altLang="en-US" dirty="0"/>
+          </a:p>
+        </p:txBody>
+      </p:sp>
+      <p:sp>
+        <p:nvSpPr>
+          <p:cNvPr id="9" name="文本框 8">
+            <a:extLst>
+              <a:ext uri="{FF2B5EF4-FFF2-40B4-BE49-F238E27FC236}">
+                <a16:creationId xmlns:a16="http://schemas.microsoft.com/office/drawing/2014/main" id="{4AD9E16E-F202-993B-7A09-C7CA15A27988}"/>
+              </a:ext>
+            </a:extLst>
+          </p:cNvPr>
+          <p:cNvSpPr txBox="1"/>
+          <p:nvPr/>
+        </p:nvSpPr>
+        <p:spPr>
+          <a:xfrm>
+            <a:off x="8928063" y="6150552"/>
+            <a:ext cx="950901" cy="276999"/>
+          </a:xfrm>
+          <a:prstGeom prst="rect">
+            <a:avLst/>
+          </a:prstGeom>
+          <a:solidFill>
+            <a:srgbClr val="F6FFED"/>
+          </a:solidFill>
+        </p:spPr>
+        <p:txBody>
+          <a:bodyPr wrap="none" rtlCol="0">
+            <a:spAutoFit/>
+          </a:bodyPr>
+          <a:lstStyle/>
+          <a:p>
+            <a:r>
+              <a:rPr lang="en-US" altLang="zh-CN" sz="1200" b="1" dirty="0"/>
+              <a:t>Plugin APP</a:t>
+            </a:r>
+            <a:endParaRPr lang="zh-CN" altLang="en-US" sz="1200" b="1" dirty="0"/>
+          </a:p>
+        </p:txBody>
+      </p:sp>
+      <p:sp>
+        <p:nvSpPr>
+          <p:cNvPr id="10" name="文本框 9">
+            <a:extLst>
+              <a:ext uri="{FF2B5EF4-FFF2-40B4-BE49-F238E27FC236}">
+                <a16:creationId xmlns:a16="http://schemas.microsoft.com/office/drawing/2014/main" id="{062E189F-B9AF-E01B-BB2C-567F5AEB5CC8}"/>
+              </a:ext>
+            </a:extLst>
+          </p:cNvPr>
+          <p:cNvSpPr txBox="1"/>
+          <p:nvPr/>
+        </p:nvSpPr>
+        <p:spPr>
+          <a:xfrm>
+            <a:off x="1479843" y="2823152"/>
+            <a:ext cx="793807" cy="276999"/>
+          </a:xfrm>
+          <a:prstGeom prst="rect">
+            <a:avLst/>
+          </a:prstGeom>
+          <a:solidFill>
+            <a:srgbClr val="F6FFED"/>
+          </a:solidFill>
+        </p:spPr>
+        <p:txBody>
+          <a:bodyPr wrap="none" rtlCol="0">
+            <a:spAutoFit/>
+          </a:bodyPr>
+          <a:lstStyle/>
+          <a:p>
+            <a:r>
+              <a:rPr lang="en-US" altLang="zh-CN" sz="1200" b="1" dirty="0" err="1"/>
+              <a:t>ComfyUI</a:t>
+            </a:r>
+            <a:endParaRPr lang="zh-CN" altLang="en-US" sz="1200" b="1" dirty="0"/>
+          </a:p>
+        </p:txBody>
+      </p:sp>
+    </p:spTree>
+    <p:extLst>
+      <p:ext uri="{BB962C8B-B14F-4D97-AF65-F5344CB8AC3E}">
+        <p14:creationId xmlns:p14="http://schemas.microsoft.com/office/powerpoint/2010/main" val="3829103950"/>
+      </p:ext>
+    </p:extLst>
+  </p:cSld>
+  <p:clrMapOvr>
+    <a:masterClrMapping/>
+  </p:clrMapOvr>
+</p:sld>
+</file>
+
 <file path=ppt/theme/theme1.xml><?xml version="1.0" encoding="utf-8"?>
 <a:theme xmlns:a="http://schemas.openxmlformats.org/drawingml/2006/main" name="Office 主题​​">
   <a:themeElements>

--- a/doc/design.pptx
+++ b/doc/design.pptx
@@ -7,6 +7,7 @@
   <p:sldIdLst>
     <p:sldId id="256" r:id="rId2"/>
     <p:sldId id="257" r:id="rId3"/>
+    <p:sldId id="258" r:id="rId4"/>
   </p:sldIdLst>
   <p:sldSz cx="12192000" cy="6858000"/>
   <p:notesSz cx="6858000" cy="9144000"/>
@@ -260,7 +261,7 @@
           <a:p>
             <a:fld id="{2404A4D6-2BEE-4A44-B90E-E9115A55290F}" type="datetimeFigureOut">
               <a:rPr lang="zh-CN" altLang="en-US" smtClean="0"/>
-              <a:t>2023/10/27</a:t>
+              <a:t>2023/10/30</a:t>
             </a:fld>
             <a:endParaRPr lang="zh-CN" altLang="en-US"/>
           </a:p>
@@ -458,7 +459,7 @@
           <a:p>
             <a:fld id="{2404A4D6-2BEE-4A44-B90E-E9115A55290F}" type="datetimeFigureOut">
               <a:rPr lang="zh-CN" altLang="en-US" smtClean="0"/>
-              <a:t>2023/10/27</a:t>
+              <a:t>2023/10/30</a:t>
             </a:fld>
             <a:endParaRPr lang="zh-CN" altLang="en-US"/>
           </a:p>
@@ -666,7 +667,7 @@
           <a:p>
             <a:fld id="{2404A4D6-2BEE-4A44-B90E-E9115A55290F}" type="datetimeFigureOut">
               <a:rPr lang="zh-CN" altLang="en-US" smtClean="0"/>
-              <a:t>2023/10/27</a:t>
+              <a:t>2023/10/30</a:t>
             </a:fld>
             <a:endParaRPr lang="zh-CN" altLang="en-US"/>
           </a:p>
@@ -864,7 +865,7 @@
           <a:p>
             <a:fld id="{2404A4D6-2BEE-4A44-B90E-E9115A55290F}" type="datetimeFigureOut">
               <a:rPr lang="zh-CN" altLang="en-US" smtClean="0"/>
-              <a:t>2023/10/27</a:t>
+              <a:t>2023/10/30</a:t>
             </a:fld>
             <a:endParaRPr lang="zh-CN" altLang="en-US"/>
           </a:p>
@@ -1139,7 +1140,7 @@
           <a:p>
             <a:fld id="{2404A4D6-2BEE-4A44-B90E-E9115A55290F}" type="datetimeFigureOut">
               <a:rPr lang="zh-CN" altLang="en-US" smtClean="0"/>
-              <a:t>2023/10/27</a:t>
+              <a:t>2023/10/30</a:t>
             </a:fld>
             <a:endParaRPr lang="zh-CN" altLang="en-US"/>
           </a:p>
@@ -1404,7 +1405,7 @@
           <a:p>
             <a:fld id="{2404A4D6-2BEE-4A44-B90E-E9115A55290F}" type="datetimeFigureOut">
               <a:rPr lang="zh-CN" altLang="en-US" smtClean="0"/>
-              <a:t>2023/10/27</a:t>
+              <a:t>2023/10/30</a:t>
             </a:fld>
             <a:endParaRPr lang="zh-CN" altLang="en-US"/>
           </a:p>
@@ -1816,7 +1817,7 @@
           <a:p>
             <a:fld id="{2404A4D6-2BEE-4A44-B90E-E9115A55290F}" type="datetimeFigureOut">
               <a:rPr lang="zh-CN" altLang="en-US" smtClean="0"/>
-              <a:t>2023/10/27</a:t>
+              <a:t>2023/10/30</a:t>
             </a:fld>
             <a:endParaRPr lang="zh-CN" altLang="en-US"/>
           </a:p>
@@ -1957,7 +1958,7 @@
           <a:p>
             <a:fld id="{2404A4D6-2BEE-4A44-B90E-E9115A55290F}" type="datetimeFigureOut">
               <a:rPr lang="zh-CN" altLang="en-US" smtClean="0"/>
-              <a:t>2023/10/27</a:t>
+              <a:t>2023/10/30</a:t>
             </a:fld>
             <a:endParaRPr lang="zh-CN" altLang="en-US"/>
           </a:p>
@@ -2070,7 +2071,7 @@
           <a:p>
             <a:fld id="{2404A4D6-2BEE-4A44-B90E-E9115A55290F}" type="datetimeFigureOut">
               <a:rPr lang="zh-CN" altLang="en-US" smtClean="0"/>
-              <a:t>2023/10/27</a:t>
+              <a:t>2023/10/30</a:t>
             </a:fld>
             <a:endParaRPr lang="zh-CN" altLang="en-US"/>
           </a:p>
@@ -2381,7 +2382,7 @@
           <a:p>
             <a:fld id="{2404A4D6-2BEE-4A44-B90E-E9115A55290F}" type="datetimeFigureOut">
               <a:rPr lang="zh-CN" altLang="en-US" smtClean="0"/>
-              <a:t>2023/10/27</a:t>
+              <a:t>2023/10/30</a:t>
             </a:fld>
             <a:endParaRPr lang="zh-CN" altLang="en-US"/>
           </a:p>
@@ -2669,7 +2670,7 @@
           <a:p>
             <a:fld id="{2404A4D6-2BEE-4A44-B90E-E9115A55290F}" type="datetimeFigureOut">
               <a:rPr lang="zh-CN" altLang="en-US" smtClean="0"/>
-              <a:t>2023/10/27</a:t>
+              <a:t>2023/10/30</a:t>
             </a:fld>
             <a:endParaRPr lang="zh-CN" altLang="en-US"/>
           </a:p>
@@ -2910,7 +2911,7 @@
           <a:p>
             <a:fld id="{2404A4D6-2BEE-4A44-B90E-E9115A55290F}" type="datetimeFigureOut">
               <a:rPr lang="zh-CN" altLang="en-US" smtClean="0"/>
-              <a:t>2023/10/27</a:t>
+              <a:t>2023/10/30</a:t>
             </a:fld>
             <a:endParaRPr lang="zh-CN" altLang="en-US"/>
           </a:p>
@@ -3806,6 +3807,125 @@
 </p:sld>
 </file>
 
+<file path=ppt/slides/slide3.xml><?xml version="1.0" encoding="utf-8"?>
+<p:sld xmlns:a="http://schemas.openxmlformats.org/drawingml/2006/main" xmlns:r="http://schemas.openxmlformats.org/officeDocument/2006/relationships" xmlns:p="http://schemas.openxmlformats.org/presentationml/2006/main">
+  <p:cSld>
+    <p:spTree>
+      <p:nvGrpSpPr>
+        <p:cNvPr id="1" name=""/>
+        <p:cNvGrpSpPr/>
+        <p:nvPr/>
+      </p:nvGrpSpPr>
+      <p:grpSpPr>
+        <a:xfrm>
+          <a:off x="0" y="0"/>
+          <a:ext cx="0" cy="0"/>
+          <a:chOff x="0" y="0"/>
+          <a:chExt cx="0" cy="0"/>
+        </a:xfrm>
+      </p:grpSpPr>
+      <p:sp>
+        <p:nvSpPr>
+          <p:cNvPr id="2" name="标题 1">
+            <a:extLst>
+              <a:ext uri="{FF2B5EF4-FFF2-40B4-BE49-F238E27FC236}">
+                <a16:creationId xmlns:a16="http://schemas.microsoft.com/office/drawing/2014/main" id="{B95B9AC0-642A-CB7D-7416-B2FDD22AA45C}"/>
+              </a:ext>
+            </a:extLst>
+          </p:cNvPr>
+          <p:cNvSpPr>
+            <a:spLocks noGrp="1"/>
+          </p:cNvSpPr>
+          <p:nvPr>
+            <p:ph type="title"/>
+          </p:nvPr>
+        </p:nvSpPr>
+        <p:spPr/>
+        <p:txBody>
+          <a:bodyPr/>
+          <a:lstStyle/>
+          <a:p>
+            <a:r>
+              <a:rPr lang="zh-CN" altLang="en-US" dirty="0"/>
+              <a:t>内容封装</a:t>
+            </a:r>
+          </a:p>
+        </p:txBody>
+      </p:sp>
+      <p:sp>
+        <p:nvSpPr>
+          <p:cNvPr id="3" name="内容占位符 2">
+            <a:extLst>
+              <a:ext uri="{FF2B5EF4-FFF2-40B4-BE49-F238E27FC236}">
+                <a16:creationId xmlns:a16="http://schemas.microsoft.com/office/drawing/2014/main" id="{117FD2EF-3E18-6B52-045E-DF30F419D2DA}"/>
+              </a:ext>
+            </a:extLst>
+          </p:cNvPr>
+          <p:cNvSpPr>
+            <a:spLocks noGrp="1"/>
+          </p:cNvSpPr>
+          <p:nvPr>
+            <p:ph idx="1"/>
+          </p:nvPr>
+        </p:nvSpPr>
+        <p:spPr/>
+        <p:txBody>
+          <a:bodyPr/>
+          <a:lstStyle/>
+          <a:p>
+            <a:r>
+              <a:rPr lang="en-US" altLang="zh-CN" dirty="0"/>
+              <a:t>TODO</a:t>
+            </a:r>
+            <a:r>
+              <a:rPr lang="zh-CN" altLang="en-US" dirty="0"/>
+              <a:t> </a:t>
+            </a:r>
+            <a:endParaRPr lang="en-US" altLang="zh-CN" dirty="0"/>
+          </a:p>
+          <a:p>
+            <a:r>
+              <a:rPr lang="zh-CN" altLang="en-US" dirty="0"/>
+              <a:t>一切皆可封装</a:t>
+            </a:r>
+            <a:endParaRPr lang="en-US" altLang="zh-CN" dirty="0"/>
+          </a:p>
+          <a:p>
+            <a:r>
+              <a:rPr lang="zh-CN" altLang="en-US" dirty="0"/>
+              <a:t>提供一个</a:t>
+            </a:r>
+            <a:r>
+              <a:rPr lang="en-US" altLang="zh-CN" dirty="0"/>
+              <a:t>template</a:t>
+            </a:r>
+            <a:r>
+              <a:rPr lang="zh-CN" altLang="en-US" dirty="0"/>
+              <a:t>，最有效的信息自动集成，一眼就能看到所有重点</a:t>
+            </a:r>
+            <a:endParaRPr lang="en-US" altLang="zh-CN" dirty="0"/>
+          </a:p>
+          <a:p>
+            <a:r>
+              <a:rPr lang="zh-CN" altLang="en-US" dirty="0"/>
+              <a:t>生成同款</a:t>
+            </a:r>
+          </a:p>
+        </p:txBody>
+      </p:sp>
+    </p:spTree>
+    <p:extLst>
+      <p:ext uri="{BB962C8B-B14F-4D97-AF65-F5344CB8AC3E}">
+        <p14:creationId xmlns:p14="http://schemas.microsoft.com/office/powerpoint/2010/main" val="3932814076"/>
+      </p:ext>
+    </p:extLst>
+  </p:cSld>
+  <p:clrMapOvr>
+    <a:masterClrMapping/>
+  </p:clrMapOvr>
+</p:sld>
+</file>
+
 <file path=ppt/theme/theme1.xml><?xml version="1.0" encoding="utf-8"?>
 <a:theme xmlns:a="http://schemas.openxmlformats.org/drawingml/2006/main" name="Office 主题​​">
   <a:themeElements>
